--- a/CPSC-24700/Presentations/session-20.pptx
+++ b/CPSC-24700/Presentations/session-20.pptx
@@ -116,6 +116,10 @@
 </p:presentation>
 </file>
 
+<file path=ppt/revisionInfo.xml><?xml version="1.0" encoding="utf-8"?>
+<p1510:revInfo xmlns:a="http://schemas.openxmlformats.org/drawingml/2006/main" xmlns:r="http://schemas.openxmlformats.org/officeDocument/2006/relationships" xmlns:p1510="http://schemas.microsoft.com/office/powerpoint/2015/10/main"/>
+</file>
+
 <file path=ppt/notesMasters/notesMaster1.xml><?xml version="1.0" encoding="utf-8"?>
 <p:notesMaster xmlns:a="http://schemas.openxmlformats.org/drawingml/2006/main" xmlns:r="http://schemas.openxmlformats.org/officeDocument/2006/relationships" xmlns:p="http://schemas.openxmlformats.org/presentationml/2006/main">
   <p:cSld>
@@ -198,7 +202,7 @@
           <a:p>
             <a:fld id="{1CF91C02-A59E-4778-8D4F-4840DBBEFA68}" type="datetimeFigureOut">
               <a:rPr lang="en-US" smtClean="0"/>
-              <a:t>10/13/2017</a:t>
+              <a:t>10/16/2017</a:t>
             </a:fld>
             <a:endParaRPr lang="en-US"/>
           </a:p>
@@ -780,7 +784,7 @@
           <a:p>
             <a:fld id="{5FB62F81-FD80-4AA8-93CA-E835B40BE667}" type="datetimeFigureOut">
               <a:rPr lang="en-US" smtClean="0"/>
-              <a:t>10/13/2017</a:t>
+              <a:t>10/16/2017</a:t>
             </a:fld>
             <a:endParaRPr lang="en-US"/>
           </a:p>
@@ -978,7 +982,7 @@
           <a:p>
             <a:fld id="{5FB62F81-FD80-4AA8-93CA-E835B40BE667}" type="datetimeFigureOut">
               <a:rPr lang="en-US" smtClean="0"/>
-              <a:t>10/13/2017</a:t>
+              <a:t>10/16/2017</a:t>
             </a:fld>
             <a:endParaRPr lang="en-US"/>
           </a:p>
@@ -1186,7 +1190,7 @@
           <a:p>
             <a:fld id="{5FB62F81-FD80-4AA8-93CA-E835B40BE667}" type="datetimeFigureOut">
               <a:rPr lang="en-US" smtClean="0"/>
-              <a:t>10/13/2017</a:t>
+              <a:t>10/16/2017</a:t>
             </a:fld>
             <a:endParaRPr lang="en-US"/>
           </a:p>
@@ -1384,7 +1388,7 @@
           <a:p>
             <a:fld id="{5FB62F81-FD80-4AA8-93CA-E835B40BE667}" type="datetimeFigureOut">
               <a:rPr lang="en-US" smtClean="0"/>
-              <a:t>10/13/2017</a:t>
+              <a:t>10/16/2017</a:t>
             </a:fld>
             <a:endParaRPr lang="en-US"/>
           </a:p>
@@ -1659,7 +1663,7 @@
           <a:p>
             <a:fld id="{5FB62F81-FD80-4AA8-93CA-E835B40BE667}" type="datetimeFigureOut">
               <a:rPr lang="en-US" smtClean="0"/>
-              <a:t>10/13/2017</a:t>
+              <a:t>10/16/2017</a:t>
             </a:fld>
             <a:endParaRPr lang="en-US"/>
           </a:p>
@@ -1924,7 +1928,7 @@
           <a:p>
             <a:fld id="{5FB62F81-FD80-4AA8-93CA-E835B40BE667}" type="datetimeFigureOut">
               <a:rPr lang="en-US" smtClean="0"/>
-              <a:t>10/13/2017</a:t>
+              <a:t>10/16/2017</a:t>
             </a:fld>
             <a:endParaRPr lang="en-US"/>
           </a:p>
@@ -2336,7 +2340,7 @@
           <a:p>
             <a:fld id="{5FB62F81-FD80-4AA8-93CA-E835B40BE667}" type="datetimeFigureOut">
               <a:rPr lang="en-US" smtClean="0"/>
-              <a:t>10/13/2017</a:t>
+              <a:t>10/16/2017</a:t>
             </a:fld>
             <a:endParaRPr lang="en-US"/>
           </a:p>
@@ -2477,7 +2481,7 @@
           <a:p>
             <a:fld id="{5FB62F81-FD80-4AA8-93CA-E835B40BE667}" type="datetimeFigureOut">
               <a:rPr lang="en-US" smtClean="0"/>
-              <a:t>10/13/2017</a:t>
+              <a:t>10/16/2017</a:t>
             </a:fld>
             <a:endParaRPr lang="en-US"/>
           </a:p>
@@ -2590,7 +2594,7 @@
           <a:p>
             <a:fld id="{5FB62F81-FD80-4AA8-93CA-E835B40BE667}" type="datetimeFigureOut">
               <a:rPr lang="en-US" smtClean="0"/>
-              <a:t>10/13/2017</a:t>
+              <a:t>10/16/2017</a:t>
             </a:fld>
             <a:endParaRPr lang="en-US"/>
           </a:p>
@@ -2901,7 +2905,7 @@
           <a:p>
             <a:fld id="{5FB62F81-FD80-4AA8-93CA-E835B40BE667}" type="datetimeFigureOut">
               <a:rPr lang="en-US" smtClean="0"/>
-              <a:t>10/13/2017</a:t>
+              <a:t>10/16/2017</a:t>
             </a:fld>
             <a:endParaRPr lang="en-US"/>
           </a:p>
@@ -3189,7 +3193,7 @@
           <a:p>
             <a:fld id="{5FB62F81-FD80-4AA8-93CA-E835B40BE667}" type="datetimeFigureOut">
               <a:rPr lang="en-US" smtClean="0"/>
-              <a:t>10/13/2017</a:t>
+              <a:t>10/16/2017</a:t>
             </a:fld>
             <a:endParaRPr lang="en-US"/>
           </a:p>
@@ -3430,7 +3434,7 @@
           <a:p>
             <a:fld id="{5FB62F81-FD80-4AA8-93CA-E835B40BE667}" type="datetimeFigureOut">
               <a:rPr lang="en-US" smtClean="0"/>
-              <a:t>10/13/2017</a:t>
+              <a:t>10/16/2017</a:t>
             </a:fld>
             <a:endParaRPr lang="en-US"/>
           </a:p>
@@ -3964,25 +3968,12 @@
             </a:pPr>
             <a:r>
               <a:rPr lang="en-US" sz="2000" dirty="0"/>
-              <a:t>Keep working on Project 3 Google Maps and complete Chapter 6</a:t>
+              <a:t>Keep working on Project 3 Google Maps!!! …and complete Chapter 6</a:t>
             </a:r>
           </a:p>
           <a:p>
             <a:pPr marL="0" indent="0">
-              <a:spcBef>
-                <a:spcPts val="2400"/>
-              </a:spcBef>
-              <a:buNone/>
-            </a:pPr>
-            <a:r>
-              <a:rPr lang="en-US" sz="2000" dirty="0"/>
-              <a:t>Discussion &amp; Questions welcome at any time… please be present with no phones or email during our discussion time</a:t>
-            </a:r>
-          </a:p>
-          <a:p>
-            <a:pPr marL="457200" indent="-457200">
-              <a:buFont typeface="+mj-lt"/>
-              <a:buAutoNum type="arabicPeriod"/>
+              <a:buNone/>
             </a:pPr>
             <a:endParaRPr lang="en-US" sz="2000" dirty="0"/>
           </a:p>
